--- a/illustrate.pptx
+++ b/illustrate.pptx
@@ -4242,7 +4242,7 @@
         </p:nvSpPr>
         <p:spPr>
           <a:xfrm>
-            <a:off x="-442276" y="-7153364"/>
+            <a:off x="-286231" y="-7153364"/>
             <a:ext cx="1261884" cy="1200329"/>
           </a:xfrm>
           <a:prstGeom prst="rect">
@@ -4328,7 +4328,7 @@
         </p:nvSpPr>
         <p:spPr>
           <a:xfrm>
-            <a:off x="-442276" y="-4714964"/>
+            <a:off x="-286231" y="-4714964"/>
             <a:ext cx="1261884" cy="1200329"/>
           </a:xfrm>
           <a:prstGeom prst="rect">
@@ -4411,7 +4411,7 @@
         </p:nvSpPr>
         <p:spPr>
           <a:xfrm>
-            <a:off x="-442276" y="-2276564"/>
+            <a:off x="-286231" y="-2276564"/>
             <a:ext cx="1261884" cy="1200329"/>
           </a:xfrm>
           <a:prstGeom prst="rect">
@@ -5394,7 +5394,7 @@
         </p:nvSpPr>
         <p:spPr>
           <a:xfrm>
-            <a:off x="-442276" y="161836"/>
+            <a:off x="-286231" y="161836"/>
             <a:ext cx="1261884" cy="1200329"/>
           </a:xfrm>
           <a:prstGeom prst="rect">
@@ -5477,7 +5477,7 @@
         </p:nvSpPr>
         <p:spPr>
           <a:xfrm>
-            <a:off x="-442276" y="2600236"/>
+            <a:off x="-286231" y="2600236"/>
             <a:ext cx="1261884" cy="1200329"/>
           </a:xfrm>
           <a:prstGeom prst="rect">
@@ -5560,7 +5560,7 @@
         </p:nvSpPr>
         <p:spPr>
           <a:xfrm>
-            <a:off x="-442276" y="5038636"/>
+            <a:off x="-286231" y="5038636"/>
             <a:ext cx="1261884" cy="1200329"/>
           </a:xfrm>
           <a:prstGeom prst="rect">
@@ -5643,7 +5643,7 @@
         </p:nvSpPr>
         <p:spPr>
           <a:xfrm>
-            <a:off x="-442276" y="7477036"/>
+            <a:off x="-286231" y="7477036"/>
             <a:ext cx="1261884" cy="1200329"/>
           </a:xfrm>
           <a:prstGeom prst="rect">
@@ -5726,7 +5726,7 @@
         </p:nvSpPr>
         <p:spPr>
           <a:xfrm>
-            <a:off x="-442276" y="9915436"/>
+            <a:off x="-286231" y="9915436"/>
             <a:ext cx="1261884" cy="1200329"/>
           </a:xfrm>
           <a:prstGeom prst="rect">
@@ -5809,7 +5809,7 @@
         </p:nvSpPr>
         <p:spPr>
           <a:xfrm>
-            <a:off x="-442276" y="12353836"/>
+            <a:off x="-286231" y="12353836"/>
             <a:ext cx="1261884" cy="1200329"/>
           </a:xfrm>
           <a:prstGeom prst="rect">
@@ -5892,7 +5892,7 @@
         </p:nvSpPr>
         <p:spPr>
           <a:xfrm>
-            <a:off x="-442276" y="14792236"/>
+            <a:off x="-286231" y="14792236"/>
             <a:ext cx="1261884" cy="1200329"/>
           </a:xfrm>
           <a:prstGeom prst="rect">
@@ -6919,7 +6919,7 @@
         </p:blipFill>
         <p:spPr>
           <a:xfrm>
-            <a:off x="11090030" y="4583157"/>
+            <a:off x="11090030" y="4598397"/>
             <a:ext cx="2438400" cy="2438400"/>
           </a:xfrm>
           <a:prstGeom prst="rect">
@@ -6955,7 +6955,7 @@
         </p:blipFill>
         <p:spPr>
           <a:xfrm>
-            <a:off x="1354796" y="4583157"/>
+            <a:off x="1354796" y="4598397"/>
             <a:ext cx="2438400" cy="2438400"/>
           </a:xfrm>
           <a:prstGeom prst="rect">
@@ -6991,7 +6991,7 @@
         </p:blipFill>
         <p:spPr>
           <a:xfrm>
-            <a:off x="3793978" y="4583157"/>
+            <a:off x="3793978" y="4598397"/>
             <a:ext cx="2438400" cy="2438400"/>
           </a:xfrm>
           <a:prstGeom prst="rect">
@@ -7027,7 +7027,7 @@
         </p:blipFill>
         <p:spPr>
           <a:xfrm>
-            <a:off x="6225930" y="4583157"/>
+            <a:off x="6225930" y="4598397"/>
             <a:ext cx="2438400" cy="2438400"/>
           </a:xfrm>
           <a:prstGeom prst="rect">
@@ -7063,7 +7063,7 @@
         </p:blipFill>
         <p:spPr>
           <a:xfrm>
-            <a:off x="8651630" y="4583157"/>
+            <a:off x="8651630" y="4598397"/>
             <a:ext cx="2438400" cy="2438400"/>
           </a:xfrm>
           <a:prstGeom prst="rect">
@@ -7099,7 +7099,7 @@
         </p:blipFill>
         <p:spPr>
           <a:xfrm>
-            <a:off x="11090030" y="7003093"/>
+            <a:off x="11090030" y="7035478"/>
             <a:ext cx="2438400" cy="2438400"/>
           </a:xfrm>
           <a:prstGeom prst="rect">
@@ -7135,7 +7135,7 @@
         </p:blipFill>
         <p:spPr>
           <a:xfrm>
-            <a:off x="1354796" y="7003093"/>
+            <a:off x="1354796" y="7035478"/>
             <a:ext cx="2438400" cy="2438400"/>
           </a:xfrm>
           <a:prstGeom prst="rect">
@@ -7171,7 +7171,7 @@
         </p:blipFill>
         <p:spPr>
           <a:xfrm>
-            <a:off x="3793978" y="7003093"/>
+            <a:off x="3793978" y="7035478"/>
             <a:ext cx="2438400" cy="2438400"/>
           </a:xfrm>
           <a:prstGeom prst="rect">
@@ -7207,7 +7207,7 @@
         </p:blipFill>
         <p:spPr>
           <a:xfrm>
-            <a:off x="6225930" y="7003093"/>
+            <a:off x="6225930" y="7035478"/>
             <a:ext cx="2438400" cy="2438400"/>
           </a:xfrm>
           <a:prstGeom prst="rect">
@@ -7243,7 +7243,7 @@
         </p:blipFill>
         <p:spPr>
           <a:xfrm>
-            <a:off x="8651630" y="7003093"/>
+            <a:off x="8651630" y="7035478"/>
             <a:ext cx="2438400" cy="2438400"/>
           </a:xfrm>
           <a:prstGeom prst="rect">
@@ -7279,7 +7279,7 @@
         </p:blipFill>
         <p:spPr>
           <a:xfrm>
-            <a:off x="11090030" y="9429067"/>
+            <a:off x="11090030" y="9461452"/>
             <a:ext cx="2438400" cy="2438400"/>
           </a:xfrm>
           <a:prstGeom prst="rect">
@@ -7315,7 +7315,7 @@
         </p:blipFill>
         <p:spPr>
           <a:xfrm>
-            <a:off x="1354796" y="9429067"/>
+            <a:off x="1354796" y="9461452"/>
             <a:ext cx="2438400" cy="2438400"/>
           </a:xfrm>
           <a:prstGeom prst="rect">
@@ -7351,7 +7351,7 @@
         </p:blipFill>
         <p:spPr>
           <a:xfrm>
-            <a:off x="3793978" y="9429067"/>
+            <a:off x="3793978" y="9461452"/>
             <a:ext cx="2438400" cy="2438400"/>
           </a:xfrm>
           <a:prstGeom prst="rect">
@@ -7387,7 +7387,7 @@
         </p:blipFill>
         <p:spPr>
           <a:xfrm>
-            <a:off x="6225930" y="9429067"/>
+            <a:off x="6225930" y="9461452"/>
             <a:ext cx="2438400" cy="2438400"/>
           </a:xfrm>
           <a:prstGeom prst="rect">
@@ -7423,7 +7423,7 @@
         </p:blipFill>
         <p:spPr>
           <a:xfrm>
-            <a:off x="8651630" y="9429067"/>
+            <a:off x="8651630" y="9461452"/>
             <a:ext cx="2438400" cy="2438400"/>
           </a:xfrm>
           <a:prstGeom prst="rect">
@@ -7459,7 +7459,7 @@
         </p:blipFill>
         <p:spPr>
           <a:xfrm>
-            <a:off x="11090030" y="11863328"/>
+            <a:off x="11090030" y="11895713"/>
             <a:ext cx="2438400" cy="2438400"/>
           </a:xfrm>
           <a:prstGeom prst="rect">
@@ -7495,7 +7495,7 @@
         </p:blipFill>
         <p:spPr>
           <a:xfrm>
-            <a:off x="1354796" y="11863328"/>
+            <a:off x="1354796" y="11895713"/>
             <a:ext cx="2438400" cy="2438400"/>
           </a:xfrm>
           <a:prstGeom prst="rect">
@@ -7531,7 +7531,7 @@
         </p:blipFill>
         <p:spPr>
           <a:xfrm>
-            <a:off x="3793978" y="11863328"/>
+            <a:off x="3793978" y="11895713"/>
             <a:ext cx="2438400" cy="2438400"/>
           </a:xfrm>
           <a:prstGeom prst="rect">
@@ -7567,7 +7567,7 @@
         </p:blipFill>
         <p:spPr>
           <a:xfrm>
-            <a:off x="6225930" y="11863328"/>
+            <a:off x="6225930" y="11895713"/>
             <a:ext cx="2438400" cy="2438400"/>
           </a:xfrm>
           <a:prstGeom prst="rect">
@@ -7603,7 +7603,7 @@
         </p:blipFill>
         <p:spPr>
           <a:xfrm>
-            <a:off x="8651630" y="11863328"/>
+            <a:off x="8651630" y="11895713"/>
             <a:ext cx="2438400" cy="2438400"/>
           </a:xfrm>
           <a:prstGeom prst="rect">
@@ -7639,7 +7639,7 @@
         </p:blipFill>
         <p:spPr>
           <a:xfrm>
-            <a:off x="11090030" y="14309019"/>
+            <a:off x="11090030" y="14341404"/>
             <a:ext cx="2438400" cy="2438400"/>
           </a:xfrm>
           <a:prstGeom prst="rect">
@@ -7675,7 +7675,7 @@
         </p:blipFill>
         <p:spPr>
           <a:xfrm>
-            <a:off x="1354796" y="14309019"/>
+            <a:off x="1354796" y="14341404"/>
             <a:ext cx="2438400" cy="2438400"/>
           </a:xfrm>
           <a:prstGeom prst="rect">
@@ -7711,7 +7711,7 @@
         </p:blipFill>
         <p:spPr>
           <a:xfrm>
-            <a:off x="3793978" y="14309019"/>
+            <a:off x="3793978" y="14341404"/>
             <a:ext cx="2438400" cy="2438400"/>
           </a:xfrm>
           <a:prstGeom prst="rect">
@@ -7747,7 +7747,7 @@
         </p:blipFill>
         <p:spPr>
           <a:xfrm>
-            <a:off x="6225930" y="14309019"/>
+            <a:off x="6225930" y="14341404"/>
             <a:ext cx="2438400" cy="2438400"/>
           </a:xfrm>
           <a:prstGeom prst="rect">
@@ -7783,7 +7783,7 @@
         </p:blipFill>
         <p:spPr>
           <a:xfrm>
-            <a:off x="8651630" y="14309019"/>
+            <a:off x="8651630" y="14341404"/>
             <a:ext cx="2438400" cy="2438400"/>
           </a:xfrm>
           <a:prstGeom prst="rect">
@@ -7805,7 +7805,7 @@
         </p:nvSpPr>
         <p:spPr>
           <a:xfrm>
-            <a:off x="-159914" y="-6879044"/>
+            <a:off x="91546" y="-6879044"/>
             <a:ext cx="1261884" cy="1200329"/>
           </a:xfrm>
           <a:prstGeom prst="rect">
@@ -7891,7 +7891,7 @@
         </p:nvSpPr>
         <p:spPr>
           <a:xfrm>
-            <a:off x="-159914" y="-4452074"/>
+            <a:off x="91546" y="-4452074"/>
             <a:ext cx="1261884" cy="1200329"/>
           </a:xfrm>
           <a:prstGeom prst="rect">
@@ -7974,7 +7974,7 @@
         </p:nvSpPr>
         <p:spPr>
           <a:xfrm>
-            <a:off x="-159914" y="-2033677"/>
+            <a:off x="91546" y="-2033677"/>
             <a:ext cx="1261884" cy="1200329"/>
           </a:xfrm>
           <a:prstGeom prst="rect">
@@ -8057,7 +8057,7 @@
         </p:nvSpPr>
         <p:spPr>
           <a:xfrm>
-            <a:off x="-159914" y="381534"/>
+            <a:off x="91546" y="381534"/>
             <a:ext cx="1261884" cy="1200329"/>
           </a:xfrm>
           <a:prstGeom prst="rect">
@@ -8140,7 +8140,7 @@
         </p:nvSpPr>
         <p:spPr>
           <a:xfrm>
-            <a:off x="-159914" y="2779948"/>
+            <a:off x="91546" y="2779948"/>
             <a:ext cx="1261884" cy="1200329"/>
           </a:xfrm>
           <a:prstGeom prst="rect">
@@ -8223,7 +8223,7 @@
         </p:nvSpPr>
         <p:spPr>
           <a:xfrm>
-            <a:off x="-159914" y="5202193"/>
+            <a:off x="91546" y="5217433"/>
             <a:ext cx="1261884" cy="1200329"/>
           </a:xfrm>
           <a:prstGeom prst="rect">
@@ -8306,7 +8306,7 @@
         </p:nvSpPr>
         <p:spPr>
           <a:xfrm>
-            <a:off x="-159914" y="7622129"/>
+            <a:off x="91546" y="7654514"/>
             <a:ext cx="1261884" cy="1200329"/>
           </a:xfrm>
           <a:prstGeom prst="rect">
@@ -8389,7 +8389,7 @@
         </p:nvSpPr>
         <p:spPr>
           <a:xfrm>
-            <a:off x="-159914" y="10048103"/>
+            <a:off x="91546" y="10080488"/>
             <a:ext cx="1261884" cy="1200329"/>
           </a:xfrm>
           <a:prstGeom prst="rect">
@@ -8472,7 +8472,7 @@
         </p:nvSpPr>
         <p:spPr>
           <a:xfrm>
-            <a:off x="-159914" y="12482364"/>
+            <a:off x="91546" y="12514749"/>
             <a:ext cx="1261884" cy="1200329"/>
           </a:xfrm>
           <a:prstGeom prst="rect">
@@ -8555,7 +8555,7 @@
         </p:nvSpPr>
         <p:spPr>
           <a:xfrm>
-            <a:off x="-159914" y="14928055"/>
+            <a:off x="91546" y="14960440"/>
             <a:ext cx="1261884" cy="1200329"/>
           </a:xfrm>
           <a:prstGeom prst="rect">
@@ -8682,7 +8682,7 @@
         </p:blipFill>
         <p:spPr>
           <a:xfrm>
-            <a:off x="12039548" y="-5425440"/>
+            <a:off x="12039548" y="-5405120"/>
             <a:ext cx="2438400" cy="2438400"/>
           </a:xfrm>
           <a:prstGeom prst="rect">
@@ -8718,7 +8718,7 @@
         </p:blipFill>
         <p:spPr>
           <a:xfrm>
-            <a:off x="2278380" y="-5425440"/>
+            <a:off x="2278380" y="-5405120"/>
             <a:ext cx="2438400" cy="2438400"/>
           </a:xfrm>
           <a:prstGeom prst="rect">
@@ -8754,7 +8754,7 @@
         </p:blipFill>
         <p:spPr>
           <a:xfrm>
-            <a:off x="4711700" y="-5425440"/>
+            <a:off x="4711700" y="-5405120"/>
             <a:ext cx="2438400" cy="2438400"/>
           </a:xfrm>
           <a:prstGeom prst="rect">
@@ -8790,7 +8790,7 @@
         </p:blipFill>
         <p:spPr>
           <a:xfrm>
-            <a:off x="7147508" y="-5425440"/>
+            <a:off x="7147508" y="-5405120"/>
             <a:ext cx="2438400" cy="2438400"/>
           </a:xfrm>
           <a:prstGeom prst="rect">
@@ -8826,7 +8826,7 @@
         </p:blipFill>
         <p:spPr>
           <a:xfrm>
-            <a:off x="9593528" y="-5425440"/>
+            <a:off x="9593528" y="-5405120"/>
             <a:ext cx="2438400" cy="2438400"/>
           </a:xfrm>
           <a:prstGeom prst="rect">
@@ -8862,7 +8862,7 @@
         </p:blipFill>
         <p:spPr>
           <a:xfrm>
-            <a:off x="12039548" y="-2987040"/>
+            <a:off x="12039548" y="-2966720"/>
             <a:ext cx="2438400" cy="2438400"/>
           </a:xfrm>
           <a:prstGeom prst="rect">
@@ -8898,7 +8898,7 @@
         </p:blipFill>
         <p:spPr>
           <a:xfrm>
-            <a:off x="2278380" y="-2987040"/>
+            <a:off x="2278380" y="-2966720"/>
             <a:ext cx="2438400" cy="2438400"/>
           </a:xfrm>
           <a:prstGeom prst="rect">
@@ -8934,7 +8934,7 @@
         </p:blipFill>
         <p:spPr>
           <a:xfrm>
-            <a:off x="4711700" y="-2987040"/>
+            <a:off x="4711700" y="-2966720"/>
             <a:ext cx="2438400" cy="2438400"/>
           </a:xfrm>
           <a:prstGeom prst="rect">
@@ -8970,7 +8970,7 @@
         </p:blipFill>
         <p:spPr>
           <a:xfrm>
-            <a:off x="7147508" y="-2987040"/>
+            <a:off x="7147508" y="-2966720"/>
             <a:ext cx="2438400" cy="2438400"/>
           </a:xfrm>
           <a:prstGeom prst="rect">
@@ -9006,7 +9006,7 @@
         </p:blipFill>
         <p:spPr>
           <a:xfrm>
-            <a:off x="9593528" y="-2987040"/>
+            <a:off x="9593528" y="-2966720"/>
             <a:ext cx="2438400" cy="2438400"/>
           </a:xfrm>
           <a:prstGeom prst="rect">
@@ -9042,7 +9042,7 @@
         </p:blipFill>
         <p:spPr>
           <a:xfrm>
-            <a:off x="2278380" y="-537210"/>
+            <a:off x="2278380" y="-527050"/>
             <a:ext cx="2438400" cy="2438400"/>
           </a:xfrm>
           <a:prstGeom prst="rect">
@@ -9078,7 +9078,7 @@
         </p:blipFill>
         <p:spPr>
           <a:xfrm>
-            <a:off x="4711700" y="-537210"/>
+            <a:off x="4711700" y="-527050"/>
             <a:ext cx="2438400" cy="2438400"/>
           </a:xfrm>
           <a:prstGeom prst="rect">
@@ -9114,7 +9114,7 @@
         </p:blipFill>
         <p:spPr>
           <a:xfrm>
-            <a:off x="7147508" y="-537210"/>
+            <a:off x="7147508" y="-527050"/>
             <a:ext cx="2438400" cy="2438400"/>
           </a:xfrm>
           <a:prstGeom prst="rect">
@@ -9150,7 +9150,7 @@
         </p:blipFill>
         <p:spPr>
           <a:xfrm>
-            <a:off x="9593528" y="-537210"/>
+            <a:off x="9593528" y="-527050"/>
             <a:ext cx="2438400" cy="2438400"/>
           </a:xfrm>
           <a:prstGeom prst="rect">
@@ -9186,7 +9186,7 @@
         </p:blipFill>
         <p:spPr>
           <a:xfrm>
-            <a:off x="12039548" y="-537210"/>
+            <a:off x="12039548" y="-527050"/>
             <a:ext cx="2438400" cy="2438400"/>
           </a:xfrm>
           <a:prstGeom prst="rect">
@@ -9222,7 +9222,7 @@
         </p:blipFill>
         <p:spPr>
           <a:xfrm>
-            <a:off x="12039548" y="1901190"/>
+            <a:off x="12039548" y="1911350"/>
             <a:ext cx="2438400" cy="2438400"/>
           </a:xfrm>
           <a:prstGeom prst="rect">
@@ -9258,7 +9258,7 @@
         </p:blipFill>
         <p:spPr>
           <a:xfrm>
-            <a:off x="2278380" y="1901190"/>
+            <a:off x="2278380" y="1911350"/>
             <a:ext cx="2438400" cy="2438400"/>
           </a:xfrm>
           <a:prstGeom prst="rect">
@@ -9294,7 +9294,7 @@
         </p:blipFill>
         <p:spPr>
           <a:xfrm>
-            <a:off x="4711700" y="1901190"/>
+            <a:off x="4711700" y="1911350"/>
             <a:ext cx="2438400" cy="2438400"/>
           </a:xfrm>
           <a:prstGeom prst="rect">
@@ -9330,7 +9330,7 @@
         </p:blipFill>
         <p:spPr>
           <a:xfrm>
-            <a:off x="7147508" y="1901190"/>
+            <a:off x="7147508" y="1911350"/>
             <a:ext cx="2438400" cy="2438400"/>
           </a:xfrm>
           <a:prstGeom prst="rect">
@@ -9366,7 +9366,7 @@
         </p:blipFill>
         <p:spPr>
           <a:xfrm>
-            <a:off x="9593528" y="1901190"/>
+            <a:off x="9593528" y="1911350"/>
             <a:ext cx="2438400" cy="2438400"/>
           </a:xfrm>
           <a:prstGeom prst="rect">
@@ -10468,7 +10468,7 @@
         </p:nvSpPr>
         <p:spPr>
           <a:xfrm>
-            <a:off x="573018" y="-4806404"/>
+            <a:off x="1014978" y="-4786084"/>
             <a:ext cx="1261884" cy="1200329"/>
           </a:xfrm>
           <a:prstGeom prst="rect">
@@ -10554,7 +10554,7 @@
         </p:nvSpPr>
         <p:spPr>
           <a:xfrm>
-            <a:off x="573018" y="-2368004"/>
+            <a:off x="1014978" y="-2347684"/>
             <a:ext cx="1261884" cy="1200329"/>
           </a:xfrm>
           <a:prstGeom prst="rect">
@@ -10637,7 +10637,7 @@
         </p:nvSpPr>
         <p:spPr>
           <a:xfrm>
-            <a:off x="573018" y="81826"/>
+            <a:off x="1014978" y="91986"/>
             <a:ext cx="1261884" cy="1200329"/>
           </a:xfrm>
           <a:prstGeom prst="rect">
@@ -10720,7 +10720,7 @@
         </p:nvSpPr>
         <p:spPr>
           <a:xfrm>
-            <a:off x="573018" y="2520226"/>
+            <a:off x="1014978" y="2530386"/>
             <a:ext cx="1261884" cy="1200329"/>
           </a:xfrm>
           <a:prstGeom prst="rect">
@@ -10803,7 +10803,7 @@
         </p:nvSpPr>
         <p:spPr>
           <a:xfrm>
-            <a:off x="573018" y="4964341"/>
+            <a:off x="1014978" y="4964341"/>
             <a:ext cx="1261884" cy="1200329"/>
           </a:xfrm>
           <a:prstGeom prst="rect">
@@ -10886,7 +10886,7 @@
         </p:nvSpPr>
         <p:spPr>
           <a:xfrm>
-            <a:off x="573018" y="7368451"/>
+            <a:off x="1014978" y="7368451"/>
             <a:ext cx="1261884" cy="1200329"/>
           </a:xfrm>
           <a:prstGeom prst="rect">
@@ -10969,7 +10969,7 @@
         </p:nvSpPr>
         <p:spPr>
           <a:xfrm>
-            <a:off x="573018" y="9795421"/>
+            <a:off x="1014978" y="9795421"/>
             <a:ext cx="1261884" cy="1200329"/>
           </a:xfrm>
           <a:prstGeom prst="rect">
@@ -11052,7 +11052,7 @@
         </p:nvSpPr>
         <p:spPr>
           <a:xfrm>
-            <a:off x="573018" y="12199531"/>
+            <a:off x="1014978" y="12199531"/>
             <a:ext cx="1261884" cy="1200329"/>
           </a:xfrm>
           <a:prstGeom prst="rect">
@@ -11135,7 +11135,7 @@
         </p:nvSpPr>
         <p:spPr>
           <a:xfrm>
-            <a:off x="573018" y="14632216"/>
+            <a:off x="1014978" y="14632216"/>
             <a:ext cx="1261884" cy="1200329"/>
           </a:xfrm>
           <a:prstGeom prst="rect">
@@ -11218,7 +11218,7 @@
         </p:nvSpPr>
         <p:spPr>
           <a:xfrm>
-            <a:off x="573018" y="17047756"/>
+            <a:off x="1014978" y="17047756"/>
             <a:ext cx="1261884" cy="1200329"/>
           </a:xfrm>
           <a:prstGeom prst="rect">
